--- a/imdb_spoiler_detection/AML Final Presentation  FINAL VER..pptx
+++ b/imdb_spoiler_detection/AML Final Presentation  FINAL VER..pptx
@@ -343,6 +343,132 @@
             <pc:docMk/>
             <pc:sldMk cId="2619154341" sldId="281"/>
             <ac:picMk id="1030" creationId="{CDB0F07B-568B-4BC7-BDF8-2675C3D18427}"/>
+          </ac:picMkLst>
+        </pc:picChg>
+      </pc:sldChg>
+    </pc:docChg>
+  </pc:docChgLst>
+  <pc:docChgLst>
+    <pc:chgData name="LI Zuxian" userId="S::zuxian.li.2019@mitb.smu.edu.sg::3964829d-085e-40c1-8f8f-a4e30b1ebe3a" providerId="AD" clId="Web-{69BC07C8-E68F-909F-B5EE-4B035EDBB89C}"/>
+    <pc:docChg chg="addSld delSld modSld">
+      <pc:chgData name="LI Zuxian" userId="S::zuxian.li.2019@mitb.smu.edu.sg::3964829d-085e-40c1-8f8f-a4e30b1ebe3a" providerId="AD" clId="Web-{69BC07C8-E68F-909F-B5EE-4B035EDBB89C}" dt="2020-03-30T05:56:49.609" v="73" actId="14100"/>
+      <pc:docMkLst>
+        <pc:docMk/>
+      </pc:docMkLst>
+      <pc:sldChg chg="addSp delSp modSp">
+        <pc:chgData name="LI Zuxian" userId="S::zuxian.li.2019@mitb.smu.edu.sg::3964829d-085e-40c1-8f8f-a4e30b1ebe3a" providerId="AD" clId="Web-{69BC07C8-E68F-909F-B5EE-4B035EDBB89C}" dt="2020-03-30T05:56:49.609" v="73" actId="14100"/>
+        <pc:sldMkLst>
+          <pc:docMk/>
+          <pc:sldMk cId="2619154341" sldId="281"/>
+        </pc:sldMkLst>
+        <pc:spChg chg="mod">
+          <ac:chgData name="LI Zuxian" userId="S::zuxian.li.2019@mitb.smu.edu.sg::3964829d-085e-40c1-8f8f-a4e30b1ebe3a" providerId="AD" clId="Web-{69BC07C8-E68F-909F-B5EE-4B035EDBB89C}" dt="2020-03-30T05:56:49.609" v="73" actId="14100"/>
+          <ac:spMkLst>
+            <pc:docMk/>
+            <pc:sldMk cId="2619154341" sldId="281"/>
+            <ac:spMk id="12" creationId="{1E12B5BB-FD5F-4BF6-9A15-02D732C04994}"/>
+          </ac:spMkLst>
+        </pc:spChg>
+        <pc:picChg chg="add del mod">
+          <ac:chgData name="LI Zuxian" userId="S::zuxian.li.2019@mitb.smu.edu.sg::3964829d-085e-40c1-8f8f-a4e30b1ebe3a" providerId="AD" clId="Web-{69BC07C8-E68F-909F-B5EE-4B035EDBB89C}" dt="2020-03-30T05:56:23.108" v="68"/>
+          <ac:picMkLst>
+            <pc:docMk/>
+            <pc:sldMk cId="2619154341" sldId="281"/>
+            <ac:picMk id="3" creationId="{9DD09AC1-B87E-47CE-B9B1-679BABA43EB4}"/>
+          </ac:picMkLst>
+        </pc:picChg>
+        <pc:picChg chg="mod">
+          <ac:chgData name="LI Zuxian" userId="S::zuxian.li.2019@mitb.smu.edu.sg::3964829d-085e-40c1-8f8f-a4e30b1ebe3a" providerId="AD" clId="Web-{69BC07C8-E68F-909F-B5EE-4B035EDBB89C}" dt="2020-03-30T05:55:30.886" v="66" actId="1076"/>
+          <ac:picMkLst>
+            <pc:docMk/>
+            <pc:sldMk cId="2619154341" sldId="281"/>
+            <ac:picMk id="6" creationId="{1F2C6385-9D78-42E7-A9AC-46AD7867BDD8}"/>
+          </ac:picMkLst>
+        </pc:picChg>
+        <pc:picChg chg="add mod">
+          <ac:chgData name="LI Zuxian" userId="S::zuxian.li.2019@mitb.smu.edu.sg::3964829d-085e-40c1-8f8f-a4e30b1ebe3a" providerId="AD" clId="Web-{69BC07C8-E68F-909F-B5EE-4B035EDBB89C}" dt="2020-03-30T05:56:30.405" v="71" actId="14100"/>
+          <ac:picMkLst>
+            <pc:docMk/>
+            <pc:sldMk cId="2619154341" sldId="281"/>
+            <ac:picMk id="11" creationId="{F3E585F7-8E12-4E66-B74C-B7F0A9EEEB84}"/>
+          </ac:picMkLst>
+        </pc:picChg>
+        <pc:picChg chg="add del mod">
+          <ac:chgData name="LI Zuxian" userId="S::zuxian.li.2019@mitb.smu.edu.sg::3964829d-085e-40c1-8f8f-a4e30b1ebe3a" providerId="AD" clId="Web-{69BC07C8-E68F-909F-B5EE-4B035EDBB89C}" dt="2020-03-30T05:39:40.167" v="41" actId="1076"/>
+          <ac:picMkLst>
+            <pc:docMk/>
+            <pc:sldMk cId="2619154341" sldId="281"/>
+            <ac:picMk id="1026" creationId="{436B9081-90AE-4C77-B39B-F050486294CC}"/>
+          </ac:picMkLst>
+        </pc:picChg>
+        <pc:picChg chg="mod">
+          <ac:chgData name="LI Zuxian" userId="S::zuxian.li.2019@mitb.smu.edu.sg::3964829d-085e-40c1-8f8f-a4e30b1ebe3a" providerId="AD" clId="Web-{69BC07C8-E68F-909F-B5EE-4B035EDBB89C}" dt="2020-03-30T05:39:54.465" v="45" actId="1076"/>
+          <ac:picMkLst>
+            <pc:docMk/>
+            <pc:sldMk cId="2619154341" sldId="281"/>
+            <ac:picMk id="1030" creationId="{CDB0F07B-568B-4BC7-BDF8-2675C3D18427}"/>
+          </ac:picMkLst>
+        </pc:picChg>
+        <pc:picChg chg="mod">
+          <ac:chgData name="LI Zuxian" userId="S::zuxian.li.2019@mitb.smu.edu.sg::3964829d-085e-40c1-8f8f-a4e30b1ebe3a" providerId="AD" clId="Web-{69BC07C8-E68F-909F-B5EE-4B035EDBB89C}" dt="2020-03-30T05:40:11.200" v="47" actId="1076"/>
+          <ac:picMkLst>
+            <pc:docMk/>
+            <pc:sldMk cId="2619154341" sldId="281"/>
+            <ac:picMk id="1032" creationId="{0470F077-4272-439D-AC32-BBFAB20D2C81}"/>
+          </ac:picMkLst>
+        </pc:picChg>
+        <pc:cxnChg chg="add mod">
+          <ac:chgData name="LI Zuxian" userId="S::zuxian.li.2019@mitb.smu.edu.sg::3964829d-085e-40c1-8f8f-a4e30b1ebe3a" providerId="AD" clId="Web-{69BC07C8-E68F-909F-B5EE-4B035EDBB89C}" dt="2020-03-30T05:55:33.730" v="67" actId="1076"/>
+          <ac:cxnSpMkLst>
+            <pc:docMk/>
+            <pc:sldMk cId="2619154341" sldId="281"/>
+            <ac:cxnSpMk id="9" creationId="{D6A6BC99-2374-4AD1-ACAB-B19ECDE94564}"/>
+          </ac:cxnSpMkLst>
+        </pc:cxnChg>
+      </pc:sldChg>
+      <pc:sldChg chg="modSp">
+        <pc:chgData name="LI Zuxian" userId="S::zuxian.li.2019@mitb.smu.edu.sg::3964829d-085e-40c1-8f8f-a4e30b1ebe3a" providerId="AD" clId="Web-{69BC07C8-E68F-909F-B5EE-4B035EDBB89C}" dt="2020-03-30T04:40:08.723" v="6" actId="20577"/>
+        <pc:sldMkLst>
+          <pc:docMk/>
+          <pc:sldMk cId="2147776291" sldId="304"/>
+        </pc:sldMkLst>
+        <pc:spChg chg="mod">
+          <ac:chgData name="LI Zuxian" userId="S::zuxian.li.2019@mitb.smu.edu.sg::3964829d-085e-40c1-8f8f-a4e30b1ebe3a" providerId="AD" clId="Web-{69BC07C8-E68F-909F-B5EE-4B035EDBB89C}" dt="2020-03-30T04:40:08.723" v="6" actId="20577"/>
+          <ac:spMkLst>
+            <pc:docMk/>
+            <pc:sldMk cId="2147776291" sldId="304"/>
+            <ac:spMk id="11" creationId="{4359DF31-F10B-4FA2-A8AE-53BD5617C5F4}"/>
+          </ac:spMkLst>
+        </pc:spChg>
+      </pc:sldChg>
+      <pc:sldChg chg="addSp delSp modSp add del replId">
+        <pc:chgData name="LI Zuxian" userId="S::zuxian.li.2019@mitb.smu.edu.sg::3964829d-085e-40c1-8f8f-a4e30b1ebe3a" providerId="AD" clId="Web-{69BC07C8-E68F-909F-B5EE-4B035EDBB89C}" dt="2020-03-30T05:39:10.650" v="38"/>
+        <pc:sldMkLst>
+          <pc:docMk/>
+          <pc:sldMk cId="1369253288" sldId="320"/>
+        </pc:sldMkLst>
+        <pc:spChg chg="mod">
+          <ac:chgData name="LI Zuxian" userId="S::zuxian.li.2019@mitb.smu.edu.sg::3964829d-085e-40c1-8f8f-a4e30b1ebe3a" providerId="AD" clId="Web-{69BC07C8-E68F-909F-B5EE-4B035EDBB89C}" dt="2020-03-30T05:37:07.441" v="22" actId="20577"/>
+          <ac:spMkLst>
+            <pc:docMk/>
+            <pc:sldMk cId="1369253288" sldId="320"/>
+            <ac:spMk id="13" creationId="{3F99ACA1-1BAA-4722-A972-E26F1724DCB6}"/>
+          </ac:spMkLst>
+        </pc:spChg>
+        <pc:picChg chg="add del mod">
+          <ac:chgData name="LI Zuxian" userId="S::zuxian.li.2019@mitb.smu.edu.sg::3964829d-085e-40c1-8f8f-a4e30b1ebe3a" providerId="AD" clId="Web-{69BC07C8-E68F-909F-B5EE-4B035EDBB89C}" dt="2020-03-30T05:38:40.820" v="36"/>
+          <ac:picMkLst>
+            <pc:docMk/>
+            <pc:sldMk cId="1369253288" sldId="320"/>
+            <ac:picMk id="3" creationId="{507FCC2B-7007-42C9-9CEB-5F8624E043F3}"/>
+          </ac:picMkLst>
+        </pc:picChg>
+        <pc:picChg chg="del">
+          <ac:chgData name="LI Zuxian" userId="S::zuxian.li.2019@mitb.smu.edu.sg::3964829d-085e-40c1-8f8f-a4e30b1ebe3a" providerId="AD" clId="Web-{69BC07C8-E68F-909F-B5EE-4B035EDBB89C}" dt="2020-03-30T05:37:08.644" v="23"/>
+          <ac:picMkLst>
+            <pc:docMk/>
+            <pc:sldMk cId="1369253288" sldId="320"/>
+            <ac:picMk id="8" creationId="{584473C9-4707-4341-8103-044CC39BEA82}"/>
           </ac:picMkLst>
         </pc:picChg>
       </pc:sldChg>
@@ -769,132 +895,6 @@
             <ac:spMk id="13" creationId="{3F99ACA1-1BAA-4722-A972-E26F1724DCB6}"/>
           </ac:spMkLst>
         </pc:spChg>
-      </pc:sldChg>
-    </pc:docChg>
-  </pc:docChgLst>
-  <pc:docChgLst>
-    <pc:chgData name="LI Zuxian" userId="S::zuxian.li.2019@mitb.smu.edu.sg::3964829d-085e-40c1-8f8f-a4e30b1ebe3a" providerId="AD" clId="Web-{69BC07C8-E68F-909F-B5EE-4B035EDBB89C}"/>
-    <pc:docChg chg="addSld delSld modSld">
-      <pc:chgData name="LI Zuxian" userId="S::zuxian.li.2019@mitb.smu.edu.sg::3964829d-085e-40c1-8f8f-a4e30b1ebe3a" providerId="AD" clId="Web-{69BC07C8-E68F-909F-B5EE-4B035EDBB89C}" dt="2020-03-30T05:56:49.609" v="73" actId="14100"/>
-      <pc:docMkLst>
-        <pc:docMk/>
-      </pc:docMkLst>
-      <pc:sldChg chg="addSp delSp modSp">
-        <pc:chgData name="LI Zuxian" userId="S::zuxian.li.2019@mitb.smu.edu.sg::3964829d-085e-40c1-8f8f-a4e30b1ebe3a" providerId="AD" clId="Web-{69BC07C8-E68F-909F-B5EE-4B035EDBB89C}" dt="2020-03-30T05:56:49.609" v="73" actId="14100"/>
-        <pc:sldMkLst>
-          <pc:docMk/>
-          <pc:sldMk cId="2619154341" sldId="281"/>
-        </pc:sldMkLst>
-        <pc:spChg chg="mod">
-          <ac:chgData name="LI Zuxian" userId="S::zuxian.li.2019@mitb.smu.edu.sg::3964829d-085e-40c1-8f8f-a4e30b1ebe3a" providerId="AD" clId="Web-{69BC07C8-E68F-909F-B5EE-4B035EDBB89C}" dt="2020-03-30T05:56:49.609" v="73" actId="14100"/>
-          <ac:spMkLst>
-            <pc:docMk/>
-            <pc:sldMk cId="2619154341" sldId="281"/>
-            <ac:spMk id="12" creationId="{1E12B5BB-FD5F-4BF6-9A15-02D732C04994}"/>
-          </ac:spMkLst>
-        </pc:spChg>
-        <pc:picChg chg="add del mod">
-          <ac:chgData name="LI Zuxian" userId="S::zuxian.li.2019@mitb.smu.edu.sg::3964829d-085e-40c1-8f8f-a4e30b1ebe3a" providerId="AD" clId="Web-{69BC07C8-E68F-909F-B5EE-4B035EDBB89C}" dt="2020-03-30T05:56:23.108" v="68"/>
-          <ac:picMkLst>
-            <pc:docMk/>
-            <pc:sldMk cId="2619154341" sldId="281"/>
-            <ac:picMk id="3" creationId="{9DD09AC1-B87E-47CE-B9B1-679BABA43EB4}"/>
-          </ac:picMkLst>
-        </pc:picChg>
-        <pc:picChg chg="mod">
-          <ac:chgData name="LI Zuxian" userId="S::zuxian.li.2019@mitb.smu.edu.sg::3964829d-085e-40c1-8f8f-a4e30b1ebe3a" providerId="AD" clId="Web-{69BC07C8-E68F-909F-B5EE-4B035EDBB89C}" dt="2020-03-30T05:55:30.886" v="66" actId="1076"/>
-          <ac:picMkLst>
-            <pc:docMk/>
-            <pc:sldMk cId="2619154341" sldId="281"/>
-            <ac:picMk id="6" creationId="{1F2C6385-9D78-42E7-A9AC-46AD7867BDD8}"/>
-          </ac:picMkLst>
-        </pc:picChg>
-        <pc:picChg chg="add mod">
-          <ac:chgData name="LI Zuxian" userId="S::zuxian.li.2019@mitb.smu.edu.sg::3964829d-085e-40c1-8f8f-a4e30b1ebe3a" providerId="AD" clId="Web-{69BC07C8-E68F-909F-B5EE-4B035EDBB89C}" dt="2020-03-30T05:56:30.405" v="71" actId="14100"/>
-          <ac:picMkLst>
-            <pc:docMk/>
-            <pc:sldMk cId="2619154341" sldId="281"/>
-            <ac:picMk id="11" creationId="{F3E585F7-8E12-4E66-B74C-B7F0A9EEEB84}"/>
-          </ac:picMkLst>
-        </pc:picChg>
-        <pc:picChg chg="add del mod">
-          <ac:chgData name="LI Zuxian" userId="S::zuxian.li.2019@mitb.smu.edu.sg::3964829d-085e-40c1-8f8f-a4e30b1ebe3a" providerId="AD" clId="Web-{69BC07C8-E68F-909F-B5EE-4B035EDBB89C}" dt="2020-03-30T05:39:40.167" v="41" actId="1076"/>
-          <ac:picMkLst>
-            <pc:docMk/>
-            <pc:sldMk cId="2619154341" sldId="281"/>
-            <ac:picMk id="1026" creationId="{436B9081-90AE-4C77-B39B-F050486294CC}"/>
-          </ac:picMkLst>
-        </pc:picChg>
-        <pc:picChg chg="mod">
-          <ac:chgData name="LI Zuxian" userId="S::zuxian.li.2019@mitb.smu.edu.sg::3964829d-085e-40c1-8f8f-a4e30b1ebe3a" providerId="AD" clId="Web-{69BC07C8-E68F-909F-B5EE-4B035EDBB89C}" dt="2020-03-30T05:39:54.465" v="45" actId="1076"/>
-          <ac:picMkLst>
-            <pc:docMk/>
-            <pc:sldMk cId="2619154341" sldId="281"/>
-            <ac:picMk id="1030" creationId="{CDB0F07B-568B-4BC7-BDF8-2675C3D18427}"/>
-          </ac:picMkLst>
-        </pc:picChg>
-        <pc:picChg chg="mod">
-          <ac:chgData name="LI Zuxian" userId="S::zuxian.li.2019@mitb.smu.edu.sg::3964829d-085e-40c1-8f8f-a4e30b1ebe3a" providerId="AD" clId="Web-{69BC07C8-E68F-909F-B5EE-4B035EDBB89C}" dt="2020-03-30T05:40:11.200" v="47" actId="1076"/>
-          <ac:picMkLst>
-            <pc:docMk/>
-            <pc:sldMk cId="2619154341" sldId="281"/>
-            <ac:picMk id="1032" creationId="{0470F077-4272-439D-AC32-BBFAB20D2C81}"/>
-          </ac:picMkLst>
-        </pc:picChg>
-        <pc:cxnChg chg="add mod">
-          <ac:chgData name="LI Zuxian" userId="S::zuxian.li.2019@mitb.smu.edu.sg::3964829d-085e-40c1-8f8f-a4e30b1ebe3a" providerId="AD" clId="Web-{69BC07C8-E68F-909F-B5EE-4B035EDBB89C}" dt="2020-03-30T05:55:33.730" v="67" actId="1076"/>
-          <ac:cxnSpMkLst>
-            <pc:docMk/>
-            <pc:sldMk cId="2619154341" sldId="281"/>
-            <ac:cxnSpMk id="9" creationId="{D6A6BC99-2374-4AD1-ACAB-B19ECDE94564}"/>
-          </ac:cxnSpMkLst>
-        </pc:cxnChg>
-      </pc:sldChg>
-      <pc:sldChg chg="modSp">
-        <pc:chgData name="LI Zuxian" userId="S::zuxian.li.2019@mitb.smu.edu.sg::3964829d-085e-40c1-8f8f-a4e30b1ebe3a" providerId="AD" clId="Web-{69BC07C8-E68F-909F-B5EE-4B035EDBB89C}" dt="2020-03-30T04:40:08.723" v="6" actId="20577"/>
-        <pc:sldMkLst>
-          <pc:docMk/>
-          <pc:sldMk cId="2147776291" sldId="304"/>
-        </pc:sldMkLst>
-        <pc:spChg chg="mod">
-          <ac:chgData name="LI Zuxian" userId="S::zuxian.li.2019@mitb.smu.edu.sg::3964829d-085e-40c1-8f8f-a4e30b1ebe3a" providerId="AD" clId="Web-{69BC07C8-E68F-909F-B5EE-4B035EDBB89C}" dt="2020-03-30T04:40:08.723" v="6" actId="20577"/>
-          <ac:spMkLst>
-            <pc:docMk/>
-            <pc:sldMk cId="2147776291" sldId="304"/>
-            <ac:spMk id="11" creationId="{4359DF31-F10B-4FA2-A8AE-53BD5617C5F4}"/>
-          </ac:spMkLst>
-        </pc:spChg>
-      </pc:sldChg>
-      <pc:sldChg chg="addSp delSp modSp add del replId">
-        <pc:chgData name="LI Zuxian" userId="S::zuxian.li.2019@mitb.smu.edu.sg::3964829d-085e-40c1-8f8f-a4e30b1ebe3a" providerId="AD" clId="Web-{69BC07C8-E68F-909F-B5EE-4B035EDBB89C}" dt="2020-03-30T05:39:10.650" v="38"/>
-        <pc:sldMkLst>
-          <pc:docMk/>
-          <pc:sldMk cId="1369253288" sldId="320"/>
-        </pc:sldMkLst>
-        <pc:spChg chg="mod">
-          <ac:chgData name="LI Zuxian" userId="S::zuxian.li.2019@mitb.smu.edu.sg::3964829d-085e-40c1-8f8f-a4e30b1ebe3a" providerId="AD" clId="Web-{69BC07C8-E68F-909F-B5EE-4B035EDBB89C}" dt="2020-03-30T05:37:07.441" v="22" actId="20577"/>
-          <ac:spMkLst>
-            <pc:docMk/>
-            <pc:sldMk cId="1369253288" sldId="320"/>
-            <ac:spMk id="13" creationId="{3F99ACA1-1BAA-4722-A972-E26F1724DCB6}"/>
-          </ac:spMkLst>
-        </pc:spChg>
-        <pc:picChg chg="add del mod">
-          <ac:chgData name="LI Zuxian" userId="S::zuxian.li.2019@mitb.smu.edu.sg::3964829d-085e-40c1-8f8f-a4e30b1ebe3a" providerId="AD" clId="Web-{69BC07C8-E68F-909F-B5EE-4B035EDBB89C}" dt="2020-03-30T05:38:40.820" v="36"/>
-          <ac:picMkLst>
-            <pc:docMk/>
-            <pc:sldMk cId="1369253288" sldId="320"/>
-            <ac:picMk id="3" creationId="{507FCC2B-7007-42C9-9CEB-5F8624E043F3}"/>
-          </ac:picMkLst>
-        </pc:picChg>
-        <pc:picChg chg="del">
-          <ac:chgData name="LI Zuxian" userId="S::zuxian.li.2019@mitb.smu.edu.sg::3964829d-085e-40c1-8f8f-a4e30b1ebe3a" providerId="AD" clId="Web-{69BC07C8-E68F-909F-B5EE-4B035EDBB89C}" dt="2020-03-30T05:37:08.644" v="23"/>
-          <ac:picMkLst>
-            <pc:docMk/>
-            <pc:sldMk cId="1369253288" sldId="320"/>
-            <ac:picMk id="8" creationId="{584473C9-4707-4341-8103-044CC39BEA82}"/>
-          </ac:picMkLst>
-        </pc:picChg>
       </pc:sldChg>
     </pc:docChg>
   </pc:docChgLst>
@@ -2770,7 +2770,7 @@
           <a:p>
             <a:fld id="{4A2D8EE7-FC16-490D-AEBC-55ED10771F5B}" type="datetimeFigureOut">
               <a:rPr lang="en-SG" smtClean="0"/>
-              <a:t>6/4/2020</a:t>
+              <a:t>22/2/2021</a:t>
             </a:fld>
             <a:endParaRPr lang="en-SG"/>
           </a:p>
@@ -4887,7 +4887,7 @@
           <a:p>
             <a:fld id="{F5D1D060-FCDA-4122-96EB-FEB207C919B2}" type="slidenum">
               <a:rPr lang="en-SG" smtClean="0"/>
-              <a:t>8</a:t>
+              <a:t>7</a:t>
             </a:fld>
             <a:endParaRPr lang="en-SG"/>
           </a:p>
@@ -4971,7 +4971,7 @@
           <a:p>
             <a:fld id="{F5D1D060-FCDA-4122-96EB-FEB207C919B2}" type="slidenum">
               <a:rPr lang="en-SG" smtClean="0"/>
-              <a:t>7</a:t>
+              <a:t>8</a:t>
             </a:fld>
             <a:endParaRPr lang="en-SG"/>
           </a:p>
@@ -5579,7 +5579,7 @@
           <a:p>
             <a:fld id="{59DB4D2D-B619-4289-A4E4-6A377E826C38}" type="datetime1">
               <a:rPr lang="en-SG" smtClean="0"/>
-              <a:t>6/4/2020</a:t>
+              <a:t>22/2/2021</a:t>
             </a:fld>
             <a:endParaRPr lang="en-SG"/>
           </a:p>
@@ -5779,7 +5779,7 @@
           <a:p>
             <a:fld id="{8CDFCECB-A385-4C41-8965-D3229181E195}" type="datetime1">
               <a:rPr lang="en-SG" smtClean="0"/>
-              <a:t>6/4/2020</a:t>
+              <a:t>22/2/2021</a:t>
             </a:fld>
             <a:endParaRPr lang="en-SG"/>
           </a:p>
@@ -5989,7 +5989,7 @@
           <a:p>
             <a:fld id="{D1205FE6-E495-434E-8B27-340F97564E7F}" type="datetime1">
               <a:rPr lang="en-SG" smtClean="0"/>
-              <a:t>6/4/2020</a:t>
+              <a:t>22/2/2021</a:t>
             </a:fld>
             <a:endParaRPr lang="en-SG"/>
           </a:p>
@@ -6189,7 +6189,7 @@
           <a:p>
             <a:fld id="{72F19BB2-1036-4A1C-9D3A-C9C235035BE9}" type="datetime1">
               <a:rPr lang="en-SG" smtClean="0"/>
-              <a:t>6/4/2020</a:t>
+              <a:t>22/2/2021</a:t>
             </a:fld>
             <a:endParaRPr lang="en-SG"/>
           </a:p>
@@ -6465,7 +6465,7 @@
           <a:p>
             <a:fld id="{F6E14BDB-79AE-44C3-B177-00EFE78AB659}" type="datetime1">
               <a:rPr lang="en-SG" smtClean="0"/>
-              <a:t>6/4/2020</a:t>
+              <a:t>22/2/2021</a:t>
             </a:fld>
             <a:endParaRPr lang="en-SG"/>
           </a:p>
@@ -6733,7 +6733,7 @@
           <a:p>
             <a:fld id="{30E6E92D-9019-4BC6-9495-0F6E277DEDAE}" type="datetime1">
               <a:rPr lang="en-SG" smtClean="0"/>
-              <a:t>6/4/2020</a:t>
+              <a:t>22/2/2021</a:t>
             </a:fld>
             <a:endParaRPr lang="en-SG"/>
           </a:p>
@@ -7148,7 +7148,7 @@
           <a:p>
             <a:fld id="{39B5E94A-A611-4CCE-805F-82BAF804C31A}" type="datetime1">
               <a:rPr lang="en-SG" smtClean="0"/>
-              <a:t>6/4/2020</a:t>
+              <a:t>22/2/2021</a:t>
             </a:fld>
             <a:endParaRPr lang="en-SG"/>
           </a:p>
@@ -7290,7 +7290,7 @@
           <a:p>
             <a:fld id="{E83202A5-C761-41B3-98F7-C17497634577}" type="datetime1">
               <a:rPr lang="en-SG" smtClean="0"/>
-              <a:t>6/4/2020</a:t>
+              <a:t>22/2/2021</a:t>
             </a:fld>
             <a:endParaRPr lang="en-SG"/>
           </a:p>
@@ -7403,7 +7403,7 @@
           <a:p>
             <a:fld id="{48E9A4A1-357C-423A-BEB2-61D17EB4BBF9}" type="datetime1">
               <a:rPr lang="en-SG" smtClean="0"/>
-              <a:t>6/4/2020</a:t>
+              <a:t>22/2/2021</a:t>
             </a:fld>
             <a:endParaRPr lang="en-SG"/>
           </a:p>
@@ -7716,7 +7716,7 @@
           <a:p>
             <a:fld id="{0E25E162-BB88-4BE9-AA3E-AF5995489407}" type="datetime1">
               <a:rPr lang="en-SG" smtClean="0"/>
-              <a:t>6/4/2020</a:t>
+              <a:t>22/2/2021</a:t>
             </a:fld>
             <a:endParaRPr lang="en-SG"/>
           </a:p>
@@ -8005,7 +8005,7 @@
           <a:p>
             <a:fld id="{91C01D0E-A11A-40B6-B413-0432EDF52B82}" type="datetime1">
               <a:rPr lang="en-SG" smtClean="0"/>
-              <a:t>6/4/2020</a:t>
+              <a:t>22/2/2021</a:t>
             </a:fld>
             <a:endParaRPr lang="en-SG"/>
           </a:p>
@@ -8248,7 +8248,7 @@
           <a:p>
             <a:fld id="{84D5805F-B972-4881-8E95-51ABF5AD0E3A}" type="datetime1">
               <a:rPr lang="en-SG" smtClean="0"/>
-              <a:t>6/4/2020</a:t>
+              <a:t>22/2/2021</a:t>
             </a:fld>
             <a:endParaRPr lang="en-SG"/>
           </a:p>
@@ -8819,7 +8819,7 @@
           <a:p>
             <a:pPr algn="ctr"/>
             <a:r>
-              <a:rPr lang="en-US" altLang="zh-CN" sz="2800" b="1">
+              <a:rPr lang="en-US" altLang="zh-CN" sz="2800" b="1" dirty="0">
                 <a:solidFill>
                   <a:schemeClr val="bg1"/>
                 </a:solidFill>
@@ -8830,7 +8830,7 @@
           </a:p>
           <a:p>
             <a:pPr algn="ctr"/>
-            <a:endParaRPr lang="en-US" sz="2800" b="1">
+            <a:endParaRPr lang="en-US" sz="2800" b="1" dirty="0">
               <a:solidFill>
                 <a:srgbClr val="E6BF4F"/>
               </a:solidFill>
@@ -8840,7 +8840,7 @@
           <a:p>
             <a:pPr algn="ctr"/>
             <a:r>
-              <a:rPr lang="en-SG" altLang="zh-CN" sz="2400" b="1">
+              <a:rPr lang="en-SG" altLang="zh-CN" sz="2400" b="1" dirty="0">
                 <a:solidFill>
                   <a:schemeClr val="bg1"/>
                 </a:solidFill>
@@ -8849,7 +8849,7 @@
               <a:t>Group Project</a:t>
             </a:r>
             <a:r>
-              <a:rPr lang="en-US" altLang="zh-CN" sz="2400" b="1">
+              <a:rPr lang="en-US" altLang="zh-CN" sz="2400" b="1" dirty="0">
                 <a:solidFill>
                   <a:schemeClr val="bg1"/>
                 </a:solidFill>
@@ -8861,7 +8861,7 @@
           <a:p>
             <a:pPr algn="ctr"/>
             <a:r>
-              <a:rPr lang="en-US" sz="2400" b="1">
+              <a:rPr lang="en-US" sz="2400" b="1" dirty="0">
                 <a:solidFill>
                   <a:schemeClr val="bg1"/>
                 </a:solidFill>
@@ -8870,7 +8870,7 @@
               <a:t>‘SPOILER ALERT!!!’</a:t>
             </a:r>
             <a:br>
-              <a:rPr lang="en-US" sz="2800">
+              <a:rPr lang="en-US" sz="2800" dirty="0">
                 <a:solidFill>
                   <a:schemeClr val="bg1"/>
                 </a:solidFill>
@@ -8878,14 +8878,14 @@
               </a:rPr>
             </a:br>
             <a:br>
-              <a:rPr lang="en-US" b="1">
+              <a:rPr lang="en-US" b="1" dirty="0">
                 <a:solidFill>
                   <a:schemeClr val="bg1"/>
                 </a:solidFill>
                 <a:latin typeface="Arial Nova Light" panose="020B0304020202020204" pitchFamily="34" charset="0"/>
               </a:rPr>
             </a:br>
-            <a:endParaRPr lang="en-US" b="1">
+            <a:endParaRPr lang="en-US" b="1" dirty="0">
               <a:solidFill>
                 <a:schemeClr val="bg1"/>
               </a:solidFill>
@@ -8895,7 +8895,7 @@
           <a:p>
             <a:pPr algn="ctr"/>
             <a:r>
-              <a:rPr lang="en-US" b="1">
+              <a:rPr lang="en-US" b="1" dirty="0">
                 <a:solidFill>
                   <a:schemeClr val="bg1"/>
                 </a:solidFill>
@@ -8903,44 +8903,11 @@
               </a:rPr>
               <a:t> </a:t>
             </a:r>
-            <a:endParaRPr lang="en-US" sz="2800" b="1">
+            <a:endParaRPr lang="en-US" sz="2800" b="1" dirty="0">
               <a:solidFill>
                 <a:srgbClr val="9F8251"/>
               </a:solidFill>
               <a:latin typeface="Arial Rounded MT Bold" panose="020B0604020202020204" pitchFamily="34" charset="0"/>
-            </a:endParaRPr>
-          </a:p>
-          <a:p>
-            <a:pPr algn="ctr"/>
-            <a:r>
-              <a:rPr lang="en-US">
-                <a:solidFill>
-                  <a:schemeClr val="bg1"/>
-                </a:solidFill>
-                <a:latin typeface="Arial Nova Light" panose="020B0304020202020204" pitchFamily="34" charset="0"/>
-              </a:rPr>
-              <a:t>Group 2</a:t>
-            </a:r>
-          </a:p>
-          <a:p>
-            <a:pPr algn="ctr"/>
-            <a:r>
-              <a:rPr lang="en-US">
-                <a:solidFill>
-                  <a:schemeClr val="bg1"/>
-                </a:solidFill>
-                <a:latin typeface="Arial Nova Light" panose="020B0304020202020204" pitchFamily="34" charset="0"/>
-              </a:rPr>
-              <a:t>GOH JUN LIN, LI ZUXIAN, HONG KAIYUAN, FUNG HONG KIT </a:t>
-            </a:r>
-          </a:p>
-          <a:p>
-            <a:pPr algn="ctr"/>
-            <a:endParaRPr lang="en-US">
-              <a:solidFill>
-                <a:schemeClr val="bg1"/>
-              </a:solidFill>
-              <a:latin typeface="Arial Nova Light" panose="020B0304020202020204" pitchFamily="34" charset="0"/>
             </a:endParaRPr>
           </a:p>
         </p:txBody>
@@ -30235,18 +30202,18 @@
 </file>
 
 <file path=customXml/item1.xml><?xml version="1.0" encoding="utf-8"?>
+<p:properties xmlns:p="http://schemas.microsoft.com/office/2006/metadata/properties" xmlns:xsi="http://www.w3.org/2001/XMLSchema-instance" xmlns:pc="http://schemas.microsoft.com/office/infopath/2007/PartnerControls">
+  <documentManagement/>
+</p:properties>
+</file>
+
+<file path=customXml/item2.xml><?xml version="1.0" encoding="utf-8"?>
 <?mso-contentType ?>
 <FormTemplates xmlns="http://schemas.microsoft.com/sharepoint/v3/contenttype/forms">
   <Display>DocumentLibraryForm</Display>
   <Edit>DocumentLibraryForm</Edit>
   <New>DocumentLibraryForm</New>
 </FormTemplates>
-</file>
-
-<file path=customXml/item2.xml><?xml version="1.0" encoding="utf-8"?>
-<p:properties xmlns:p="http://schemas.microsoft.com/office/2006/metadata/properties" xmlns:xsi="http://www.w3.org/2001/XMLSchema-instance" xmlns:pc="http://schemas.microsoft.com/office/infopath/2007/PartnerControls">
-  <documentManagement/>
-</p:properties>
 </file>
 
 <file path=customXml/item3.xml><?xml version="1.0" encoding="utf-8"?>
@@ -30396,14 +30363,6 @@
 </file>
 
 <file path=customXml/itemProps1.xml><?xml version="1.0" encoding="utf-8"?>
-<ds:datastoreItem xmlns:ds="http://schemas.openxmlformats.org/officeDocument/2006/customXml" ds:itemID="{B8C1CA9B-62FA-437A-84D2-2A03FC032D8A}">
-  <ds:schemaRefs>
-    <ds:schemaRef ds:uri="http://schemas.microsoft.com/sharepoint/v3/contenttype/forms"/>
-  </ds:schemaRefs>
-</ds:datastoreItem>
-</file>
-
-<file path=customXml/itemProps2.xml><?xml version="1.0" encoding="utf-8"?>
 <ds:datastoreItem xmlns:ds="http://schemas.openxmlformats.org/officeDocument/2006/customXml" ds:itemID="{95CD5DC9-1C3B-46BE-A02A-B459A55D02FB}">
   <ds:schemaRefs>
     <ds:schemaRef ds:uri="http://schemas.openxmlformats.org/package/2006/metadata/core-properties"/>
@@ -30415,6 +30374,14 @@
     <ds:schemaRef ds:uri="ef0470c3-8200-4b94-ae48-52ecab57f4ea"/>
     <ds:schemaRef ds:uri="http://www.w3.org/XML/1998/namespace"/>
     <ds:schemaRef ds:uri="http://purl.org/dc/dcmitype/"/>
+  </ds:schemaRefs>
+</ds:datastoreItem>
+</file>
+
+<file path=customXml/itemProps2.xml><?xml version="1.0" encoding="utf-8"?>
+<ds:datastoreItem xmlns:ds="http://schemas.openxmlformats.org/officeDocument/2006/customXml" ds:itemID="{B8C1CA9B-62FA-437A-84D2-2A03FC032D8A}">
+  <ds:schemaRefs>
+    <ds:schemaRef ds:uri="http://schemas.microsoft.com/sharepoint/v3/contenttype/forms"/>
   </ds:schemaRefs>
 </ds:datastoreItem>
 </file>
